--- a/images/FPGA_BlockDiagram.pptx
+++ b/images/FPGA_BlockDiagram.pptx
@@ -259,7 +259,7 @@
           <a:p>
             <a:fld id="{A109BD2B-2170-4046-9508-F2AEDE5A5501}" type="datetimeFigureOut">
               <a:rPr kumimoji="1" lang="ja-JP" altLang="en-US" smtClean="0"/>
-              <a:t>2022/12/1</a:t>
+              <a:t>2022/12/3</a:t>
             </a:fld>
             <a:endParaRPr kumimoji="1" lang="ja-JP" altLang="en-US"/>
           </a:p>
@@ -489,7 +489,7 @@
           <a:p>
             <a:fld id="{A109BD2B-2170-4046-9508-F2AEDE5A5501}" type="datetimeFigureOut">
               <a:rPr kumimoji="1" lang="ja-JP" altLang="en-US" smtClean="0"/>
-              <a:t>2022/12/1</a:t>
+              <a:t>2022/12/3</a:t>
             </a:fld>
             <a:endParaRPr kumimoji="1" lang="ja-JP" altLang="en-US"/>
           </a:p>
@@ -729,7 +729,7 @@
           <a:p>
             <a:fld id="{A109BD2B-2170-4046-9508-F2AEDE5A5501}" type="datetimeFigureOut">
               <a:rPr kumimoji="1" lang="ja-JP" altLang="en-US" smtClean="0"/>
-              <a:t>2022/12/1</a:t>
+              <a:t>2022/12/3</a:t>
             </a:fld>
             <a:endParaRPr kumimoji="1" lang="ja-JP" altLang="en-US"/>
           </a:p>
@@ -959,7 +959,7 @@
           <a:p>
             <a:fld id="{A109BD2B-2170-4046-9508-F2AEDE5A5501}" type="datetimeFigureOut">
               <a:rPr kumimoji="1" lang="ja-JP" altLang="en-US" smtClean="0"/>
-              <a:t>2022/12/1</a:t>
+              <a:t>2022/12/3</a:t>
             </a:fld>
             <a:endParaRPr kumimoji="1" lang="ja-JP" altLang="en-US"/>
           </a:p>
@@ -1234,7 +1234,7 @@
           <a:p>
             <a:fld id="{A109BD2B-2170-4046-9508-F2AEDE5A5501}" type="datetimeFigureOut">
               <a:rPr kumimoji="1" lang="ja-JP" altLang="en-US" smtClean="0"/>
-              <a:t>2022/12/1</a:t>
+              <a:t>2022/12/3</a:t>
             </a:fld>
             <a:endParaRPr kumimoji="1" lang="ja-JP" altLang="en-US"/>
           </a:p>
@@ -1563,7 +1563,7 @@
           <a:p>
             <a:fld id="{A109BD2B-2170-4046-9508-F2AEDE5A5501}" type="datetimeFigureOut">
               <a:rPr kumimoji="1" lang="ja-JP" altLang="en-US" smtClean="0"/>
-              <a:t>2022/12/1</a:t>
+              <a:t>2022/12/3</a:t>
             </a:fld>
             <a:endParaRPr kumimoji="1" lang="ja-JP" altLang="en-US"/>
           </a:p>
@@ -2039,7 +2039,7 @@
           <a:p>
             <a:fld id="{A109BD2B-2170-4046-9508-F2AEDE5A5501}" type="datetimeFigureOut">
               <a:rPr kumimoji="1" lang="ja-JP" altLang="en-US" smtClean="0"/>
-              <a:t>2022/12/1</a:t>
+              <a:t>2022/12/3</a:t>
             </a:fld>
             <a:endParaRPr kumimoji="1" lang="ja-JP" altLang="en-US"/>
           </a:p>
@@ -2180,7 +2180,7 @@
           <a:p>
             <a:fld id="{A109BD2B-2170-4046-9508-F2AEDE5A5501}" type="datetimeFigureOut">
               <a:rPr kumimoji="1" lang="ja-JP" altLang="en-US" smtClean="0"/>
-              <a:t>2022/12/1</a:t>
+              <a:t>2022/12/3</a:t>
             </a:fld>
             <a:endParaRPr kumimoji="1" lang="ja-JP" altLang="en-US"/>
           </a:p>
@@ -2293,7 +2293,7 @@
           <a:p>
             <a:fld id="{A109BD2B-2170-4046-9508-F2AEDE5A5501}" type="datetimeFigureOut">
               <a:rPr kumimoji="1" lang="ja-JP" altLang="en-US" smtClean="0"/>
-              <a:t>2022/12/1</a:t>
+              <a:t>2022/12/3</a:t>
             </a:fld>
             <a:endParaRPr kumimoji="1" lang="ja-JP" altLang="en-US"/>
           </a:p>
@@ -2636,7 +2636,7 @@
           <a:p>
             <a:fld id="{A109BD2B-2170-4046-9508-F2AEDE5A5501}" type="datetimeFigureOut">
               <a:rPr kumimoji="1" lang="ja-JP" altLang="en-US" smtClean="0"/>
-              <a:t>2022/12/1</a:t>
+              <a:t>2022/12/3</a:t>
             </a:fld>
             <a:endParaRPr kumimoji="1" lang="ja-JP" altLang="en-US"/>
           </a:p>
@@ -2924,7 +2924,7 @@
           <a:p>
             <a:fld id="{A109BD2B-2170-4046-9508-F2AEDE5A5501}" type="datetimeFigureOut">
               <a:rPr kumimoji="1" lang="ja-JP" altLang="en-US" smtClean="0"/>
-              <a:t>2022/12/1</a:t>
+              <a:t>2022/12/3</a:t>
             </a:fld>
             <a:endParaRPr kumimoji="1" lang="ja-JP" altLang="en-US"/>
           </a:p>
@@ -3197,7 +3197,7 @@
           <a:p>
             <a:fld id="{A109BD2B-2170-4046-9508-F2AEDE5A5501}" type="datetimeFigureOut">
               <a:rPr kumimoji="1" lang="ja-JP" altLang="en-US" smtClean="0"/>
-              <a:t>2022/12/1</a:t>
+              <a:t>2022/12/3</a:t>
             </a:fld>
             <a:endParaRPr kumimoji="1" lang="ja-JP" altLang="en-US"/>
           </a:p>
@@ -3616,6 +3616,93 @@
       </p:grpSpPr>
       <p:sp>
         <p:nvSpPr>
+          <p:cNvPr id="20" name="テキスト ボックス 19">
+            <a:extLst>
+              <a:ext uri="{FF2B5EF4-FFF2-40B4-BE49-F238E27FC236}">
+                <a16:creationId xmlns:a16="http://schemas.microsoft.com/office/drawing/2014/main" id="{168CE87C-276A-3C6B-3C54-A1D047BEDD76}"/>
+              </a:ext>
+            </a:extLst>
+          </p:cNvPr>
+          <p:cNvSpPr txBox="1"/>
+          <p:nvPr/>
+        </p:nvSpPr>
+        <p:spPr>
+          <a:xfrm>
+            <a:off x="218081" y="3303745"/>
+            <a:ext cx="985463" cy="568683"/>
+          </a:xfrm>
+          <a:prstGeom prst="rect">
+            <a:avLst/>
+          </a:prstGeom>
+          <a:ln w="6350">
+            <a:solidFill>
+              <a:schemeClr val="tx1"/>
+            </a:solidFill>
+          </a:ln>
+          <a:effectLst>
+            <a:outerShdw blurRad="50800" dist="38100" dir="2700000" algn="tl" rotWithShape="0">
+              <a:prstClr val="black">
+                <a:alpha val="40000"/>
+              </a:prstClr>
+            </a:outerShdw>
+          </a:effectLst>
+        </p:spPr>
+        <p:style>
+          <a:lnRef idx="0">
+            <a:schemeClr val="accent3"/>
+          </a:lnRef>
+          <a:fillRef idx="3">
+            <a:schemeClr val="accent3"/>
+          </a:fillRef>
+          <a:effectRef idx="3">
+            <a:schemeClr val="accent3"/>
+          </a:effectRef>
+          <a:fontRef idx="minor">
+            <a:schemeClr val="lt1"/>
+          </a:fontRef>
+        </p:style>
+        <p:txBody>
+          <a:bodyPr wrap="square" lIns="0" tIns="0" rIns="0" bIns="0" rtlCol="0" anchor="ctr">
+            <a:noAutofit/>
+          </a:bodyPr>
+          <a:lstStyle/>
+          <a:p>
+            <a:pPr algn="ctr"/>
+            <a:r>
+              <a:rPr kumimoji="1" lang="en-US" altLang="ja-JP" sz="1000" dirty="0">
+                <a:solidFill>
+                  <a:schemeClr val="bg1"/>
+                </a:solidFill>
+                <a:latin typeface="メイリオ" panose="020B0604030504040204" pitchFamily="50" charset="-128"/>
+                <a:ea typeface="メイリオ" panose="020B0604030504040204" pitchFamily="50" charset="-128"/>
+              </a:rPr>
+              <a:t>Configuration</a:t>
+            </a:r>
+          </a:p>
+          <a:p>
+            <a:pPr algn="ctr"/>
+            <a:r>
+              <a:rPr lang="en-US" altLang="ja-JP" sz="1000" dirty="0">
+                <a:solidFill>
+                  <a:schemeClr val="bg1"/>
+                </a:solidFill>
+                <a:latin typeface="メイリオ" panose="020B0604030504040204" pitchFamily="50" charset="-128"/>
+                <a:ea typeface="メイリオ" panose="020B0604030504040204" pitchFamily="50" charset="-128"/>
+              </a:rPr>
+              <a:t>Flash Memory</a:t>
+            </a:r>
+            <a:endParaRPr kumimoji="1" lang="en-US" altLang="ja-JP" sz="1000" dirty="0">
+              <a:solidFill>
+                <a:schemeClr val="bg1"/>
+              </a:solidFill>
+              <a:latin typeface="メイリオ" panose="020B0604030504040204" pitchFamily="50" charset="-128"/>
+              <a:ea typeface="メイリオ" panose="020B0604030504040204" pitchFamily="50" charset="-128"/>
+            </a:endParaRPr>
+          </a:p>
+        </p:txBody>
+      </p:sp>
+      <p:sp>
+        <p:nvSpPr>
           <p:cNvPr id="179" name="四角形: 角を丸くする 178">
             <a:extLst>
               <a:ext uri="{FF2B5EF4-FFF2-40B4-BE49-F238E27FC236}">
@@ -4290,7 +4377,7 @@
         </p:nvSpPr>
         <p:spPr>
           <a:xfrm>
-            <a:off x="207274" y="4032818"/>
+            <a:off x="216228" y="4048910"/>
             <a:ext cx="985463" cy="568683"/>
           </a:xfrm>
           <a:prstGeom prst="rect">
@@ -5855,34 +5942,28 @@
                 <a:latin typeface="メイリオ" panose="020B0604030504040204" pitchFamily="50" charset="-128"/>
                 <a:ea typeface="メイリオ" panose="020B0604030504040204" pitchFamily="50" charset="-128"/>
               </a:rPr>
-              <a:t>NOR Flash</a:t>
-            </a:r>
-          </a:p>
-          <a:p>
-            <a:pPr algn="ctr"/>
-            <a:r>
-              <a:rPr lang="en-US" altLang="ja-JP" sz="800" dirty="0">
+              <a:t>Configuration</a:t>
+            </a:r>
+          </a:p>
+          <a:p>
+            <a:pPr algn="ctr"/>
+            <a:r>
+              <a:rPr lang="en-US" altLang="ja-JP" sz="1000" dirty="0">
                 <a:solidFill>
                   <a:schemeClr val="bg1"/>
                 </a:solidFill>
                 <a:latin typeface="メイリオ" panose="020B0604030504040204" pitchFamily="50" charset="-128"/>
                 <a:ea typeface="メイリオ" panose="020B0604030504040204" pitchFamily="50" charset="-128"/>
               </a:rPr>
-              <a:t>Configuration</a:t>
-            </a:r>
-          </a:p>
-          <a:p>
-            <a:pPr algn="ctr"/>
-            <a:r>
-              <a:rPr kumimoji="1" lang="en-US" altLang="ja-JP" sz="800" dirty="0">
-                <a:solidFill>
-                  <a:schemeClr val="bg1"/>
-                </a:solidFill>
-                <a:latin typeface="メイリオ" panose="020B0604030504040204" pitchFamily="50" charset="-128"/>
-                <a:ea typeface="メイリオ" panose="020B0604030504040204" pitchFamily="50" charset="-128"/>
-              </a:rPr>
-              <a:t>Data</a:t>
-            </a:r>
+              <a:t>Flash Memory</a:t>
+            </a:r>
+            <a:endParaRPr kumimoji="1" lang="en-US" altLang="ja-JP" sz="1000" dirty="0">
+              <a:solidFill>
+                <a:schemeClr val="bg1"/>
+              </a:solidFill>
+              <a:latin typeface="メイリオ" panose="020B0604030504040204" pitchFamily="50" charset="-128"/>
+              <a:ea typeface="メイリオ" panose="020B0604030504040204" pitchFamily="50" charset="-128"/>
+            </a:endParaRPr>
           </a:p>
         </p:txBody>
       </p:sp>
@@ -6237,20 +6318,27 @@
                 <a:latin typeface="メイリオ" panose="020B0604030504040204" pitchFamily="50" charset="-128"/>
                 <a:ea typeface="メイリオ" panose="020B0604030504040204" pitchFamily="50" charset="-128"/>
               </a:rPr>
-              <a:t>NOR Flash</a:t>
-            </a:r>
-          </a:p>
-          <a:p>
-            <a:pPr algn="ctr"/>
-            <a:r>
-              <a:rPr kumimoji="1" lang="en-US" altLang="ja-JP" sz="800" dirty="0">
+              <a:t>Data Store</a:t>
+            </a:r>
+            <a:endParaRPr lang="en-US" altLang="ja-JP" sz="1000" dirty="0">
+              <a:solidFill>
+                <a:schemeClr val="bg1"/>
+              </a:solidFill>
+              <a:latin typeface="メイリオ" panose="020B0604030504040204" pitchFamily="50" charset="-128"/>
+              <a:ea typeface="メイリオ" panose="020B0604030504040204" pitchFamily="50" charset="-128"/>
+            </a:endParaRPr>
+          </a:p>
+          <a:p>
+            <a:pPr algn="ctr"/>
+            <a:r>
+              <a:rPr kumimoji="1" lang="en-US" altLang="ja-JP" sz="1000" dirty="0">
                 <a:solidFill>
                   <a:schemeClr val="bg1"/>
                 </a:solidFill>
                 <a:latin typeface="メイリオ" panose="020B0604030504040204" pitchFamily="50" charset="-128"/>
                 <a:ea typeface="メイリオ" panose="020B0604030504040204" pitchFamily="50" charset="-128"/>
               </a:rPr>
-              <a:t>Data Memory</a:t>
+              <a:t>Flash Memory</a:t>
             </a:r>
           </a:p>
         </p:txBody>
@@ -6316,7 +6404,7 @@
         </p:nvSpPr>
         <p:spPr>
           <a:xfrm>
-            <a:off x="211423" y="4740678"/>
+            <a:off x="227465" y="4756720"/>
             <a:ext cx="985463" cy="568683"/>
           </a:xfrm>
           <a:prstGeom prst="rect">
@@ -6653,28 +6741,22 @@
           <a:p>
             <a:pPr algn="ctr"/>
             <a:r>
-              <a:rPr kumimoji="1" lang="en-US" altLang="ja-JP" sz="1000" dirty="0">
+              <a:rPr lang="en-US" altLang="ja-JP" sz="1000" dirty="0">
                 <a:solidFill>
                   <a:schemeClr val="bg1"/>
                 </a:solidFill>
                 <a:latin typeface="メイリオ" panose="020B0604030504040204" pitchFamily="50" charset="-128"/>
                 <a:ea typeface="メイリオ" panose="020B0604030504040204" pitchFamily="50" charset="-128"/>
               </a:rPr>
-              <a:t>NOR Flash</a:t>
-            </a:r>
-          </a:p>
-          <a:p>
-            <a:pPr algn="ctr"/>
-            <a:r>
-              <a:rPr kumimoji="1" lang="en-US" altLang="ja-JP" sz="800" dirty="0">
-                <a:solidFill>
-                  <a:schemeClr val="bg1"/>
-                </a:solidFill>
-                <a:latin typeface="メイリオ" panose="020B0604030504040204" pitchFamily="50" charset="-128"/>
-                <a:ea typeface="メイリオ" panose="020B0604030504040204" pitchFamily="50" charset="-128"/>
-              </a:rPr>
-              <a:t>Data Memory</a:t>
-            </a:r>
+              <a:t>FRAM</a:t>
+            </a:r>
+            <a:endParaRPr kumimoji="1" lang="en-US" altLang="ja-JP" sz="800" dirty="0">
+              <a:solidFill>
+                <a:schemeClr val="bg1"/>
+              </a:solidFill>
+              <a:latin typeface="メイリオ" panose="020B0604030504040204" pitchFamily="50" charset="-128"/>
+              <a:ea typeface="メイリオ" panose="020B0604030504040204" pitchFamily="50" charset="-128"/>
+            </a:endParaRPr>
           </a:p>
         </p:txBody>
       </p:sp>
